--- a/JAVA PPT/Day7 .pptx
+++ b/JAVA PPT/Day7 .pptx
@@ -255,6 +255,22 @@
       </a:defRPr>
     </a:lvl9pPr>
   </p:defaultTextStyle>
+  <p:extLst>
+    <p:ext uri="{EFAFB233-063F-42B5-8137-9DF3F51BA10A}">
+      <p15:sldGuideLst xmlns:p15="http://schemas.microsoft.com/office/powerpoint/2012/main">
+        <p15:guide id="1" orient="horz" pos="1620" userDrawn="1">
+          <p15:clr>
+            <a:srgbClr val="A4A3A4"/>
+          </p15:clr>
+        </p15:guide>
+        <p15:guide id="2" pos="2876" userDrawn="1">
+          <p15:clr>
+            <a:srgbClr val="A4A3A4"/>
+          </p15:clr>
+        </p15:guide>
+      </p15:sldGuideLst>
+    </p:ext>
+  </p:extLst>
 </p:presentation>
 </file>
 
@@ -12587,23 +12603,27 @@
       </p:pic>
       <p:pic>
         <p:nvPicPr>
-          <p:cNvPr id="5" name="Picture 4" descr="while loop"/>
+          <p:cNvPr id="2" name="Picture 1"/>
           <p:cNvPicPr>
             <a:picLocks noChangeAspect="1"/>
           </p:cNvPicPr>
-          <p:nvPr/>
+          <p:nvPr>
+            <p:custDataLst>
+              <p:tags r:id="rId2"/>
+            </p:custDataLst>
+          </p:nvPr>
         </p:nvPicPr>
         <p:blipFill>
-          <a:blip r:embed="rId2"/>
-          <a:srcRect l="6722" t="8728" r="6259" b="8815"/>
+          <a:blip r:embed="rId3"/>
+          <a:srcRect l="5945" t="9569" r="5602" b="8937"/>
           <a:stretch>
             <a:fillRect/>
           </a:stretch>
         </p:blipFill>
         <p:spPr>
           <a:xfrm>
-            <a:off x="5133975" y="520700"/>
-            <a:ext cx="3410585" cy="4241165"/>
+            <a:off x="5091430" y="201930"/>
+            <a:ext cx="3609340" cy="4492625"/>
           </a:xfrm>
           <a:prstGeom prst="rect">
             <a:avLst/>
@@ -12719,50 +12739,6 @@
                                         <p:cTn id="11" dur="500"/>
                                         <p:tgtEl>
                                           <p:spTgt spid="100"/>
-                                        </p:tgtEl>
-                                      </p:cBhvr>
-                                    </p:animEffect>
-                                  </p:childTnLst>
-                                </p:cTn>
-                              </p:par>
-                            </p:childTnLst>
-                          </p:cTn>
-                        </p:par>
-                        <p:par>
-                          <p:cTn id="12" fill="hold">
-                            <p:stCondLst>
-                              <p:cond delay="1899"/>
-                            </p:stCondLst>
-                            <p:childTnLst>
-                              <p:par>
-                                <p:cTn id="13" presetID="10" presetClass="entr" presetSubtype="0" fill="hold" nodeType="afterEffect">
-                                  <p:stCondLst>
-                                    <p:cond delay="0"/>
-                                  </p:stCondLst>
-                                  <p:childTnLst>
-                                    <p:set>
-                                      <p:cBhvr>
-                                        <p:cTn id="14" dur="1" fill="hold">
-                                          <p:stCondLst>
-                                            <p:cond delay="0"/>
-                                          </p:stCondLst>
-                                        </p:cTn>
-                                        <p:tgtEl>
-                                          <p:spTgt spid="5"/>
-                                        </p:tgtEl>
-                                        <p:attrNameLst>
-                                          <p:attrName>style.visibility</p:attrName>
-                                        </p:attrNameLst>
-                                      </p:cBhvr>
-                                      <p:to>
-                                        <p:strVal val="visible"/>
-                                      </p:to>
-                                    </p:set>
-                                    <p:animEffect transition="in" filter="fade">
-                                      <p:cBhvr>
-                                        <p:cTn id="15" dur="500"/>
-                                        <p:tgtEl>
-                                          <p:spTgt spid="5"/>
                                         </p:tgtEl>
                                       </p:cBhvr>
                                     </p:animEffect>
@@ -16127,23 +16103,27 @@
       </p:sp>
       <p:pic>
         <p:nvPicPr>
-          <p:cNvPr id="2" name="Picture 1" descr="do while loop"/>
+          <p:cNvPr id="5" name="Picture 4"/>
           <p:cNvPicPr>
             <a:picLocks noChangeAspect="1"/>
           </p:cNvPicPr>
-          <p:nvPr/>
+          <p:nvPr>
+            <p:custDataLst>
+              <p:tags r:id="rId1"/>
+            </p:custDataLst>
+          </p:nvPr>
         </p:nvPicPr>
         <p:blipFill>
-          <a:blip r:embed="rId1"/>
-          <a:srcRect l="6505" t="8728" r="7037" b="8728"/>
+          <a:blip r:embed="rId2"/>
+          <a:srcRect l="6056" t="9510" r="5415" b="8253"/>
           <a:stretch>
             <a:fillRect/>
           </a:stretch>
         </p:blipFill>
         <p:spPr>
           <a:xfrm>
-            <a:off x="3006090" y="648970"/>
-            <a:ext cx="5578475" cy="3945890"/>
+            <a:off x="1609090" y="1294130"/>
+            <a:ext cx="6497320" cy="2992755"/>
           </a:xfrm>
           <a:prstGeom prst="rect">
             <a:avLst/>
@@ -16215,50 +16195,6 @@
                                               <p:pRg st="0" end="0"/>
                                             </p:txEl>
                                           </p:spTgt>
-                                        </p:tgtEl>
-                                      </p:cBhvr>
-                                    </p:animEffect>
-                                  </p:childTnLst>
-                                </p:cTn>
-                              </p:par>
-                            </p:childTnLst>
-                          </p:cTn>
-                        </p:par>
-                        <p:par>
-                          <p:cTn id="8" fill="hold">
-                            <p:stCondLst>
-                              <p:cond delay="899"/>
-                            </p:stCondLst>
-                            <p:childTnLst>
-                              <p:par>
-                                <p:cTn id="9" presetID="10" presetClass="entr" presetSubtype="0" fill="hold" nodeType="afterEffect">
-                                  <p:stCondLst>
-                                    <p:cond delay="0"/>
-                                  </p:stCondLst>
-                                  <p:childTnLst>
-                                    <p:set>
-                                      <p:cBhvr>
-                                        <p:cTn id="10" dur="1" fill="hold">
-                                          <p:stCondLst>
-                                            <p:cond delay="0"/>
-                                          </p:stCondLst>
-                                        </p:cTn>
-                                        <p:tgtEl>
-                                          <p:spTgt spid="2"/>
-                                        </p:tgtEl>
-                                        <p:attrNameLst>
-                                          <p:attrName>style.visibility</p:attrName>
-                                        </p:attrNameLst>
-                                      </p:cBhvr>
-                                      <p:to>
-                                        <p:strVal val="visible"/>
-                                      </p:to>
-                                    </p:set>
-                                    <p:animEffect transition="in" filter="fade">
-                                      <p:cBhvr>
-                                        <p:cTn id="11" dur="500"/>
-                                        <p:tgtEl>
-                                          <p:spTgt spid="2"/>
                                         </p:tgtEl>
                                       </p:cBhvr>
                                     </p:animEffect>
@@ -26163,23 +26099,27 @@
       </p:pic>
       <p:pic>
         <p:nvPicPr>
-          <p:cNvPr id="4" name="Picture 3" descr="for loop"/>
+          <p:cNvPr id="6" name="Picture 5"/>
           <p:cNvPicPr>
             <a:picLocks noChangeAspect="1"/>
           </p:cNvPicPr>
-          <p:nvPr/>
+          <p:nvPr>
+            <p:custDataLst>
+              <p:tags r:id="rId2"/>
+            </p:custDataLst>
+          </p:nvPr>
         </p:nvPicPr>
         <p:blipFill>
-          <a:blip r:embed="rId2"/>
-          <a:srcRect l="5872" t="8728" r="6275" b="7222"/>
+          <a:blip r:embed="rId3"/>
+          <a:srcRect l="6448" t="10080" r="5722" b="7834"/>
           <a:stretch>
             <a:fillRect/>
           </a:stretch>
         </p:blipFill>
         <p:spPr>
           <a:xfrm>
-            <a:off x="4725670" y="157480"/>
-            <a:ext cx="4237355" cy="4323080"/>
+            <a:off x="4482465" y="894715"/>
+            <a:ext cx="4376420" cy="3463925"/>
           </a:xfrm>
           <a:prstGeom prst="rect">
             <a:avLst/>
@@ -26249,50 +26189,6 @@
                             </p:childTnLst>
                           </p:cTn>
                         </p:par>
-                        <p:par>
-                          <p:cTn id="8" fill="hold">
-                            <p:stCondLst>
-                              <p:cond delay="500"/>
-                            </p:stCondLst>
-                            <p:childTnLst>
-                              <p:par>
-                                <p:cTn id="9" presetID="10" presetClass="entr" presetSubtype="0" fill="hold" nodeType="afterEffect">
-                                  <p:stCondLst>
-                                    <p:cond delay="0"/>
-                                  </p:stCondLst>
-                                  <p:childTnLst>
-                                    <p:set>
-                                      <p:cBhvr>
-                                        <p:cTn id="10" dur="1" fill="hold">
-                                          <p:stCondLst>
-                                            <p:cond delay="0"/>
-                                          </p:stCondLst>
-                                        </p:cTn>
-                                        <p:tgtEl>
-                                          <p:spTgt spid="4"/>
-                                        </p:tgtEl>
-                                        <p:attrNameLst>
-                                          <p:attrName>style.visibility</p:attrName>
-                                        </p:attrNameLst>
-                                      </p:cBhvr>
-                                      <p:to>
-                                        <p:strVal val="visible"/>
-                                      </p:to>
-                                    </p:set>
-                                    <p:animEffect transition="in" filter="fade">
-                                      <p:cBhvr>
-                                        <p:cTn id="11" dur="500"/>
-                                        <p:tgtEl>
-                                          <p:spTgt spid="4"/>
-                                        </p:tgtEl>
-                                      </p:cBhvr>
-                                    </p:animEffect>
-                                  </p:childTnLst>
-                                </p:cTn>
-                              </p:par>
-                            </p:childTnLst>
-                          </p:cTn>
-                        </p:par>
                       </p:childTnLst>
                     </p:cTn>
                   </p:par>
@@ -26319,6 +26215,24 @@
     </p:tnLst>
   </p:timing>
 </p:sld>
+</file>
+
+<file path=ppt/tags/tag1.xml><?xml version="1.0" encoding="utf-8"?>
+<p:tagLst xmlns:p="http://schemas.openxmlformats.org/presentationml/2006/main">
+  <p:tag name="KSO_WM_BEAUTIFY_FLAG" val=""/>
+</p:tagLst>
+</file>
+
+<file path=ppt/tags/tag2.xml><?xml version="1.0" encoding="utf-8"?>
+<p:tagLst xmlns:p="http://schemas.openxmlformats.org/presentationml/2006/main">
+  <p:tag name="KSO_WM_BEAUTIFY_FLAG" val=""/>
+</p:tagLst>
+</file>
+
+<file path=ppt/tags/tag3.xml><?xml version="1.0" encoding="utf-8"?>
+<p:tagLst xmlns:p="http://schemas.openxmlformats.org/presentationml/2006/main">
+  <p:tag name="KSO_WM_BEAUTIFY_FLAG" val=""/>
+</p:tagLst>
 </file>
 
 <file path=ppt/theme/theme1.xml><?xml version="1.0" encoding="utf-8"?>
